--- a/web/e22/uge_4a/Quiz-Uge4-Mandag.pptx
+++ b/web/e22/uge_4a/Quiz-Uge4-Mandag.pptx
@@ -30776,6 +30776,226 @@
           </a:prstGeom>
         </p:spPr>
       </p:pic>
+      <p:sp>
+        <p:nvSpPr>
+          <p:cNvPr id="52" name="Content Placeholder 2"/>
+          <p:cNvSpPr txBox="1">
+            <a:spLocks/>
+          </p:cNvSpPr>
+          <p:nvPr/>
+        </p:nvSpPr>
+        <p:spPr bwMode="auto">
+          <a:xfrm>
+            <a:off x="6228184" y="1637839"/>
+            <a:ext cx="2915816" cy="749514"/>
+          </a:xfrm>
+          <a:prstGeom prst="rect">
+            <a:avLst/>
+          </a:prstGeom>
+          <a:noFill/>
+          <a:ln>
+            <a:noFill/>
+          </a:ln>
+          <a:extLst>
+            <a:ext uri="{909E8E84-426E-40DD-AFC4-6F175D3DCCD1}">
+              <a14:hiddenFill xmlns:a14="http://schemas.microsoft.com/office/drawing/2010/main">
+                <a:solidFill>
+                  <a:srgbClr val="FFFFFF"/>
+                </a:solidFill>
+              </a14:hiddenFill>
+            </a:ext>
+            <a:ext uri="{91240B29-F687-4F45-9708-019B960494DF}">
+              <a14:hiddenLine xmlns:a14="http://schemas.microsoft.com/office/drawing/2010/main" w="9525">
+                <a:solidFill>
+                  <a:srgbClr val="000000"/>
+                </a:solidFill>
+                <a:miter lim="800000"/>
+                <a:headEnd/>
+                <a:tailEnd/>
+              </a14:hiddenLine>
+            </a:ext>
+          </a:extLst>
+        </p:spPr>
+        <p:txBody>
+          <a:bodyPr vert="horz" wrap="square" lIns="91440" tIns="45720" rIns="91440" bIns="45720" numCol="1" anchor="t" anchorCtr="0" compatLnSpc="1">
+            <a:prstTxWarp prst="textNoShape">
+              <a:avLst/>
+            </a:prstTxWarp>
+          </a:bodyPr>
+          <a:lstStyle>
+            <a:lvl1pPr marL="342900" indent="-342900" algn="l" rtl="0" eaLnBrk="0" fontAlgn="base" hangingPunct="0">
+              <a:spcBef>
+                <a:spcPct val="20000"/>
+              </a:spcBef>
+              <a:spcAft>
+                <a:spcPct val="0"/>
+              </a:spcAft>
+              <a:buChar char="•"/>
+              <a:defRPr sz="2400" b="1">
+                <a:solidFill>
+                  <a:srgbClr val="003399"/>
+                </a:solidFill>
+                <a:latin typeface="+mn-lt"/>
+                <a:ea typeface="ＭＳ Ｐゴシック" pitchFamily="-106" charset="-128"/>
+                <a:cs typeface="ＭＳ Ｐゴシック" pitchFamily="-106" charset="-128"/>
+              </a:defRPr>
+            </a:lvl1pPr>
+            <a:lvl2pPr marL="742950" indent="-285750" algn="l" rtl="0" eaLnBrk="0" fontAlgn="base" hangingPunct="0">
+              <a:spcBef>
+                <a:spcPct val="20000"/>
+              </a:spcBef>
+              <a:spcAft>
+                <a:spcPct val="0"/>
+              </a:spcAft>
+              <a:buChar char="–"/>
+              <a:defRPr sz="2000">
+                <a:solidFill>
+                  <a:srgbClr val="003399"/>
+                </a:solidFill>
+                <a:latin typeface="+mn-lt"/>
+                <a:ea typeface="ＭＳ Ｐゴシック" pitchFamily="-106" charset="-128"/>
+              </a:defRPr>
+            </a:lvl2pPr>
+            <a:lvl3pPr marL="1143000" indent="-228600" algn="l" rtl="0" eaLnBrk="0" fontAlgn="base" hangingPunct="0">
+              <a:spcBef>
+                <a:spcPct val="20000"/>
+              </a:spcBef>
+              <a:spcAft>
+                <a:spcPct val="0"/>
+              </a:spcAft>
+              <a:buChar char="•"/>
+              <a:defRPr sz="1600">
+                <a:solidFill>
+                  <a:srgbClr val="003399"/>
+                </a:solidFill>
+                <a:latin typeface="+mn-lt"/>
+                <a:ea typeface="ＭＳ Ｐゴシック" pitchFamily="-106" charset="-128"/>
+              </a:defRPr>
+            </a:lvl3pPr>
+            <a:lvl4pPr marL="1600200" indent="-228600" algn="l" rtl="0" eaLnBrk="0" fontAlgn="base" hangingPunct="0">
+              <a:spcBef>
+                <a:spcPct val="20000"/>
+              </a:spcBef>
+              <a:spcAft>
+                <a:spcPct val="0"/>
+              </a:spcAft>
+              <a:buChar char="–"/>
+              <a:defRPr sz="1600">
+                <a:solidFill>
+                  <a:srgbClr val="003399"/>
+                </a:solidFill>
+                <a:latin typeface="Times New Roman" pitchFamily="-106" charset="0"/>
+                <a:ea typeface="ＭＳ Ｐゴシック" pitchFamily="-106" charset="-128"/>
+              </a:defRPr>
+            </a:lvl4pPr>
+            <a:lvl5pPr marL="2057400" indent="-228600" algn="l" rtl="0" eaLnBrk="0" fontAlgn="base" hangingPunct="0">
+              <a:spcBef>
+                <a:spcPct val="20000"/>
+              </a:spcBef>
+              <a:spcAft>
+                <a:spcPct val="0"/>
+              </a:spcAft>
+              <a:buChar char="»"/>
+              <a:defRPr sz="1200">
+                <a:solidFill>
+                  <a:srgbClr val="003399"/>
+                </a:solidFill>
+                <a:latin typeface="Times New Roman" pitchFamily="-106" charset="0"/>
+                <a:ea typeface="ＭＳ Ｐゴシック" pitchFamily="-106" charset="-128"/>
+              </a:defRPr>
+            </a:lvl5pPr>
+            <a:lvl6pPr marL="2514600" indent="-228600" algn="l" rtl="0" fontAlgn="base">
+              <a:spcBef>
+                <a:spcPct val="20000"/>
+              </a:spcBef>
+              <a:spcAft>
+                <a:spcPct val="0"/>
+              </a:spcAft>
+              <a:buChar char="»"/>
+              <a:defRPr sz="1200">
+                <a:solidFill>
+                  <a:schemeClr val="tx1"/>
+                </a:solidFill>
+                <a:latin typeface="Times New Roman" pitchFamily="-106" charset="0"/>
+                <a:ea typeface="ＭＳ Ｐゴシック" pitchFamily="-106" charset="-128"/>
+              </a:defRPr>
+            </a:lvl6pPr>
+            <a:lvl7pPr marL="2971800" indent="-228600" algn="l" rtl="0" fontAlgn="base">
+              <a:spcBef>
+                <a:spcPct val="20000"/>
+              </a:spcBef>
+              <a:spcAft>
+                <a:spcPct val="0"/>
+              </a:spcAft>
+              <a:buChar char="»"/>
+              <a:defRPr sz="1200">
+                <a:solidFill>
+                  <a:schemeClr val="tx1"/>
+                </a:solidFill>
+                <a:latin typeface="Times New Roman" pitchFamily="-106" charset="0"/>
+                <a:ea typeface="ＭＳ Ｐゴシック" pitchFamily="-106" charset="-128"/>
+              </a:defRPr>
+            </a:lvl7pPr>
+            <a:lvl8pPr marL="3429000" indent="-228600" algn="l" rtl="0" fontAlgn="base">
+              <a:spcBef>
+                <a:spcPct val="20000"/>
+              </a:spcBef>
+              <a:spcAft>
+                <a:spcPct val="0"/>
+              </a:spcAft>
+              <a:buChar char="»"/>
+              <a:defRPr sz="1200">
+                <a:solidFill>
+                  <a:schemeClr val="tx1"/>
+                </a:solidFill>
+                <a:latin typeface="Times New Roman" pitchFamily="-106" charset="0"/>
+                <a:ea typeface="ＭＳ Ｐゴシック" pitchFamily="-106" charset="-128"/>
+              </a:defRPr>
+            </a:lvl8pPr>
+            <a:lvl9pPr marL="3886200" indent="-228600" algn="l" rtl="0" fontAlgn="base">
+              <a:spcBef>
+                <a:spcPct val="20000"/>
+              </a:spcBef>
+              <a:spcAft>
+                <a:spcPct val="0"/>
+              </a:spcAft>
+              <a:buChar char="»"/>
+              <a:defRPr sz="1200">
+                <a:solidFill>
+                  <a:schemeClr val="tx1"/>
+                </a:solidFill>
+                <a:latin typeface="Times New Roman" pitchFamily="-106" charset="0"/>
+                <a:ea typeface="ＭＳ Ｐゴシック" pitchFamily="-106" charset="-128"/>
+              </a:defRPr>
+            </a:lvl9pPr>
+          </a:lstStyle>
+          <a:p>
+            <a:pPr marL="0" indent="0">
+              <a:buFontTx/>
+              <a:buNone/>
+            </a:pPr>
+            <a:r>
+              <a:rPr lang="da-DK" altLang="da-DK" sz="1400" kern="1200" dirty="0" smtClean="0">
+                <a:solidFill>
+                  <a:srgbClr val="A50021"/>
+                </a:solidFill>
+                <a:latin typeface="Arial" pitchFamily="34" charset="0"/>
+                <a:ea typeface="ＭＳ Ｐゴシック" pitchFamily="34" charset="-128"/>
+                <a:cs typeface="+mn-cs"/>
+              </a:rPr>
+              <a:t>Vi har også glemt parameteren til ArrayList, men den fejl finder oversætteren først senere</a:t>
+            </a:r>
+            <a:endParaRPr lang="da-DK" altLang="da-DK" sz="1400" kern="1200" dirty="0">
+              <a:solidFill>
+                <a:srgbClr val="A50021"/>
+              </a:solidFill>
+              <a:latin typeface="Arial" pitchFamily="34" charset="0"/>
+              <a:ea typeface="ＭＳ Ｐゴシック" pitchFamily="34" charset="-128"/>
+              <a:cs typeface="+mn-cs"/>
+            </a:endParaRPr>
+          </a:p>
+        </p:txBody>
+      </p:sp>
     </p:spTree>
     <p:extLst>
       <p:ext uri="{BB962C8B-B14F-4D97-AF65-F5344CB8AC3E}">
@@ -31139,6 +31359,33 @@
                                   </p:childTnLst>
                                 </p:cTn>
                               </p:par>
+                              <p:par>
+                                <p:cTn id="31" presetID="1" presetClass="entr" presetSubtype="0" fill="hold" grpId="0" nodeType="withEffect">
+                                  <p:stCondLst>
+                                    <p:cond delay="0"/>
+                                  </p:stCondLst>
+                                  <p:childTnLst>
+                                    <p:set>
+                                      <p:cBhvr>
+                                        <p:cTn id="32" dur="1" fill="hold">
+                                          <p:stCondLst>
+                                            <p:cond delay="0"/>
+                                          </p:stCondLst>
+                                        </p:cTn>
+                                        <p:tgtEl>
+                                          <p:spTgt spid="52"/>
+                                        </p:tgtEl>
+                                        <p:attrNameLst>
+                                          <p:attrName>style.visibility</p:attrName>
+                                        </p:attrNameLst>
+                                      </p:cBhvr>
+                                      <p:to>
+                                        <p:strVal val="visible"/>
+                                      </p:to>
+                                    </p:set>
+                                  </p:childTnLst>
+                                </p:cTn>
+                              </p:par>
                             </p:childTnLst>
                           </p:cTn>
                         </p:par>
@@ -31146,26 +31393,26 @@
                     </p:cTn>
                   </p:par>
                   <p:par>
-                    <p:cTn id="31" fill="hold">
+                    <p:cTn id="33" fill="hold">
                       <p:stCondLst>
                         <p:cond delay="indefinite"/>
                       </p:stCondLst>
                       <p:childTnLst>
                         <p:par>
-                          <p:cTn id="32" fill="hold">
+                          <p:cTn id="34" fill="hold">
                             <p:stCondLst>
                               <p:cond delay="0"/>
                             </p:stCondLst>
                             <p:childTnLst>
                               <p:par>
-                                <p:cTn id="33" presetID="1" presetClass="entr" presetSubtype="0" fill="hold" grpId="0" nodeType="clickEffect">
+                                <p:cTn id="35" presetID="1" presetClass="entr" presetSubtype="0" fill="hold" grpId="0" nodeType="clickEffect">
                                   <p:stCondLst>
                                     <p:cond delay="0"/>
                                   </p:stCondLst>
                                   <p:childTnLst>
                                     <p:set>
                                       <p:cBhvr>
-                                        <p:cTn id="34" dur="1" fill="hold">
+                                        <p:cTn id="36" dur="1" fill="hold">
                                           <p:stCondLst>
                                             <p:cond delay="0"/>
                                           </p:stCondLst>
@@ -31185,14 +31432,14 @@
                                 </p:cTn>
                               </p:par>
                               <p:par>
-                                <p:cTn id="35" presetID="1" presetClass="entr" presetSubtype="0" fill="hold" grpId="0" nodeType="withEffect">
+                                <p:cTn id="37" presetID="1" presetClass="entr" presetSubtype="0" fill="hold" grpId="0" nodeType="withEffect">
                                   <p:stCondLst>
                                     <p:cond delay="0"/>
                                   </p:stCondLst>
                                   <p:childTnLst>
                                     <p:set>
                                       <p:cBhvr>
-                                        <p:cTn id="36" dur="1" fill="hold">
+                                        <p:cTn id="38" dur="1" fill="hold">
                                           <p:stCondLst>
                                             <p:cond delay="0"/>
                                           </p:stCondLst>
@@ -31212,14 +31459,14 @@
                                 </p:cTn>
                               </p:par>
                               <p:par>
-                                <p:cTn id="37" presetID="1" presetClass="entr" presetSubtype="0" fill="hold" nodeType="withEffect">
+                                <p:cTn id="39" presetID="1" presetClass="entr" presetSubtype="0" fill="hold" nodeType="withEffect">
                                   <p:stCondLst>
                                     <p:cond delay="0"/>
                                   </p:stCondLst>
                                   <p:childTnLst>
                                     <p:set>
                                       <p:cBhvr>
-                                        <p:cTn id="38" dur="1" fill="hold">
+                                        <p:cTn id="40" dur="1" fill="hold">
                                           <p:stCondLst>
                                             <p:cond delay="0"/>
                                           </p:stCondLst>
@@ -31245,26 +31492,26 @@
                     </p:cTn>
                   </p:par>
                   <p:par>
-                    <p:cTn id="39" fill="hold">
+                    <p:cTn id="41" fill="hold">
                       <p:stCondLst>
                         <p:cond delay="indefinite"/>
                       </p:stCondLst>
                       <p:childTnLst>
                         <p:par>
-                          <p:cTn id="40" fill="hold">
+                          <p:cTn id="42" fill="hold">
                             <p:stCondLst>
                               <p:cond delay="0"/>
                             </p:stCondLst>
                             <p:childTnLst>
                               <p:par>
-                                <p:cTn id="41" presetID="1" presetClass="entr" presetSubtype="0" fill="hold" grpId="0" nodeType="clickEffect">
+                                <p:cTn id="43" presetID="1" presetClass="entr" presetSubtype="0" fill="hold" grpId="0" nodeType="clickEffect">
                                   <p:stCondLst>
                                     <p:cond delay="0"/>
                                   </p:stCondLst>
                                   <p:childTnLst>
                                     <p:set>
                                       <p:cBhvr>
-                                        <p:cTn id="42" dur="1" fill="hold">
+                                        <p:cTn id="44" dur="1" fill="hold">
                                           <p:stCondLst>
                                             <p:cond delay="0"/>
                                           </p:stCondLst>
@@ -31290,46 +31537,19 @@
                     </p:cTn>
                   </p:par>
                   <p:par>
-                    <p:cTn id="43" fill="hold">
+                    <p:cTn id="45" fill="hold">
                       <p:stCondLst>
                         <p:cond delay="indefinite"/>
                       </p:stCondLst>
                       <p:childTnLst>
                         <p:par>
-                          <p:cTn id="44" fill="hold">
+                          <p:cTn id="46" fill="hold">
                             <p:stCondLst>
                               <p:cond delay="0"/>
                             </p:stCondLst>
                             <p:childTnLst>
                               <p:par>
-                                <p:cTn id="45" presetID="1" presetClass="entr" presetSubtype="0" fill="hold" grpId="0" nodeType="clickEffect">
-                                  <p:stCondLst>
-                                    <p:cond delay="0"/>
-                                  </p:stCondLst>
-                                  <p:childTnLst>
-                                    <p:set>
-                                      <p:cBhvr>
-                                        <p:cTn id="46" dur="1" fill="hold">
-                                          <p:stCondLst>
-                                            <p:cond delay="0"/>
-                                          </p:stCondLst>
-                                        </p:cTn>
-                                        <p:tgtEl>
-                                          <p:spTgt spid="60"/>
-                                        </p:tgtEl>
-                                        <p:attrNameLst>
-                                          <p:attrName>style.visibility</p:attrName>
-                                        </p:attrNameLst>
-                                      </p:cBhvr>
-                                      <p:to>
-                                        <p:strVal val="visible"/>
-                                      </p:to>
-                                    </p:set>
-                                  </p:childTnLst>
-                                </p:cTn>
-                              </p:par>
-                              <p:par>
-                                <p:cTn id="47" presetID="1" presetClass="entr" presetSubtype="0" fill="hold" grpId="0" nodeType="withEffect">
+                                <p:cTn id="47" presetID="1" presetClass="entr" presetSubtype="0" fill="hold" grpId="0" nodeType="clickEffect">
                                   <p:stCondLst>
                                     <p:cond delay="0"/>
                                   </p:stCondLst>
@@ -31342,7 +31562,7 @@
                                           </p:stCondLst>
                                         </p:cTn>
                                         <p:tgtEl>
-                                          <p:spTgt spid="39"/>
+                                          <p:spTgt spid="60"/>
                                         </p:tgtEl>
                                         <p:attrNameLst>
                                           <p:attrName>style.visibility</p:attrName>
@@ -31364,6 +31584,33 @@
                                     <p:set>
                                       <p:cBhvr>
                                         <p:cTn id="50" dur="1" fill="hold">
+                                          <p:stCondLst>
+                                            <p:cond delay="0"/>
+                                          </p:stCondLst>
+                                        </p:cTn>
+                                        <p:tgtEl>
+                                          <p:spTgt spid="39"/>
+                                        </p:tgtEl>
+                                        <p:attrNameLst>
+                                          <p:attrName>style.visibility</p:attrName>
+                                        </p:attrNameLst>
+                                      </p:cBhvr>
+                                      <p:to>
+                                        <p:strVal val="visible"/>
+                                      </p:to>
+                                    </p:set>
+                                  </p:childTnLst>
+                                </p:cTn>
+                              </p:par>
+                              <p:par>
+                                <p:cTn id="51" presetID="1" presetClass="entr" presetSubtype="0" fill="hold" grpId="0" nodeType="withEffect">
+                                  <p:stCondLst>
+                                    <p:cond delay="0"/>
+                                  </p:stCondLst>
+                                  <p:childTnLst>
+                                    <p:set>
+                                      <p:cBhvr>
+                                        <p:cTn id="52" dur="1" fill="hold">
                                           <p:stCondLst>
                                             <p:cond delay="0"/>
                                           </p:stCondLst>
@@ -31425,6 +31672,7 @@
       <p:bldP spid="59" grpId="0" animBg="1"/>
       <p:bldP spid="60" grpId="0" animBg="1"/>
       <p:bldP spid="42" grpId="0"/>
+      <p:bldP spid="52" grpId="0"/>
     </p:bldLst>
   </p:timing>
 </p:sld>
